--- a/ShapeCrawler.Tests.Unit/Resource/025.pptx
+++ b/ShapeCrawler.Tests.Unit/Resource/025.pptx
@@ -229,7 +229,7 @@
               </a:solidFill>
             </a:defRPr>
           </a:pPr>
-          <a:endParaRPr lang="LID4096"/>
+          <a:endParaRPr lang="ru-RU"/>
         </a:p>
       </c:txPr>
     </c:legend>
@@ -244,7 +244,7 @@
       <a:pPr>
         <a:defRPr sz="1800"/>
       </a:pPr>
-      <a:endParaRPr lang="LID4096"/>
+      <a:endParaRPr lang="ru-RU"/>
     </a:p>
   </c:txPr>
   <c:externalData r:id="rId1">
@@ -413,7 +413,7 @@
                 <a:cs typeface="+mn-cs"/>
               </a:defRPr>
             </a:pPr>
-            <a:endParaRPr lang="LID4096"/>
+            <a:endParaRPr lang="ru-RU"/>
           </a:p>
         </c:txPr>
         <c:crossAx val="162226143"/>
@@ -472,7 +472,7 @@
                 <a:cs typeface="+mn-cs"/>
               </a:defRPr>
             </a:pPr>
-            <a:endParaRPr lang="LID4096"/>
+            <a:endParaRPr lang="ru-RU"/>
           </a:p>
         </c:txPr>
         <c:crossAx val="252470559"/>
@@ -512,7 +512,7 @@
       <a:pPr>
         <a:defRPr/>
       </a:pPr>
-      <a:endParaRPr lang="LID4096"/>
+      <a:endParaRPr lang="ru-RU"/>
     </a:p>
   </c:txPr>
   <c:externalData r:id="rId4">
@@ -561,7 +561,7 @@
               <a:cs typeface="+mn-cs"/>
             </a:defRPr>
           </a:pPr>
-          <a:endParaRPr lang="LID4096"/>
+          <a:endParaRPr lang="ru-RU"/>
         </a:p>
       </c:txPr>
     </c:title>
@@ -839,7 +839,7 @@
                 <a:cs typeface="+mn-cs"/>
               </a:defRPr>
             </a:pPr>
-            <a:endParaRPr lang="LID4096"/>
+            <a:endParaRPr lang="ru-RU"/>
           </a:p>
         </c:txPr>
         <c:crossAx val="1700667152"/>
@@ -898,7 +898,7 @@
                 <a:cs typeface="+mn-cs"/>
               </a:defRPr>
             </a:pPr>
-            <a:endParaRPr lang="LID4096"/>
+            <a:endParaRPr lang="ru-RU"/>
           </a:p>
         </c:txPr>
         <c:crossAx val="1852838592"/>
@@ -940,7 +940,7 @@
               <a:cs typeface="+mn-cs"/>
             </a:defRPr>
           </a:pPr>
-          <a:endParaRPr lang="LID4096"/>
+          <a:endParaRPr lang="ru-RU"/>
         </a:p>
       </c:txPr>
     </c:legend>
@@ -969,7 +969,7 @@
       <a:pPr>
         <a:defRPr/>
       </a:pPr>
-      <a:endParaRPr lang="LID4096"/>
+      <a:endParaRPr lang="ru-RU"/>
     </a:p>
   </c:txPr>
   <c:externalData r:id="rId3">
@@ -993,6 +993,31 @@
   </mc:AlternateContent>
   <c:chart>
     <c:title>
+      <c:tx>
+        <c:rich>
+          <a:bodyPr rot="0" spcFirstLastPara="1" vertOverflow="ellipsis" vert="horz" wrap="square" anchor="ctr" anchorCtr="1"/>
+          <a:lstStyle/>
+          <a:p>
+            <a:pPr>
+              <a:defRPr sz="960" b="0" i="0" u="none" strike="noStrike" kern="1200" spc="0" baseline="0">
+                <a:solidFill>
+                  <a:schemeClr val="tx1">
+                    <a:lumMod val="65000"/>
+                    <a:lumOff val="35000"/>
+                  </a:schemeClr>
+                </a:solidFill>
+                <a:latin typeface="Aharoni" panose="020B0604020202020204" pitchFamily="2" charset="-79"/>
+                <a:ea typeface="+mn-ea"/>
+                <a:cs typeface="Aharoni" panose="020B0604020202020204" pitchFamily="2" charset="-79"/>
+              </a:defRPr>
+            </a:pPr>
+            <a:r>
+              <a:rPr lang="en-US" dirty="0"/>
+              <a:t>Series 1_id7</a:t>
+            </a:r>
+          </a:p>
+        </c:rich>
+      </c:tx>
       <c:overlay val="0"/>
       <c:spPr>
         <a:noFill/>
@@ -1018,7 +1043,7 @@
               <a:cs typeface="Aharoni" panose="020B0604020202020204" pitchFamily="2" charset="-79"/>
             </a:defRPr>
           </a:pPr>
-          <a:endParaRPr lang="LID4096"/>
+          <a:endParaRPr lang="ru-RU"/>
         </a:p>
       </c:txPr>
     </c:title>
@@ -1106,7 +1131,7 @@
               </c:numCache>
             </c:numRef>
           </c:val>
-          <c:extLst xmlns:mc="http://schemas.openxmlformats.org/markup-compatibility/2006" xmlns:c14="http://schemas.microsoft.com/office/drawing/2007/8/2/chart" xmlns:c16="http://schemas.microsoft.com/office/drawing/2014/chart" xmlns:c16r3="http://schemas.microsoft.com/office/drawing/2017/03/chart">
+          <c:extLst xmlns:c16r3="http://schemas.microsoft.com/office/drawing/2017/03/chart" xmlns:c16="http://schemas.microsoft.com/office/drawing/2014/chart" xmlns:c14="http://schemas.microsoft.com/office/drawing/2007/8/2/chart" xmlns:mc="http://schemas.openxmlformats.org/markup-compatibility/2006">
             <c:ext xmlns:c16="http://schemas.microsoft.com/office/drawing/2014/chart" uri="{C3380CC4-5D6E-409C-BE32-E72D297353CC}">
               <c16:uniqueId val="{00000004-85FF-4A9E-A301-DA0EAA17C6A6}"/>
             </c:ext>
@@ -1191,7 +1216,7 @@
               </c:numCache>
             </c:numRef>
           </c:val>
-          <c:extLst xmlns:mc="http://schemas.openxmlformats.org/markup-compatibility/2006" xmlns:c14="http://schemas.microsoft.com/office/drawing/2007/8/2/chart" xmlns:c16="http://schemas.microsoft.com/office/drawing/2014/chart" xmlns:c16r3="http://schemas.microsoft.com/office/drawing/2017/03/chart">
+          <c:extLst xmlns:c16r3="http://schemas.microsoft.com/office/drawing/2017/03/chart" xmlns:c16="http://schemas.microsoft.com/office/drawing/2014/chart" xmlns:c14="http://schemas.microsoft.com/office/drawing/2007/8/2/chart" xmlns:mc="http://schemas.openxmlformats.org/markup-compatibility/2006">
             <c:ext xmlns:c16="http://schemas.microsoft.com/office/drawing/2014/chart" uri="{C3380CC4-5D6E-409C-BE32-E72D297353CC}">
               <c16:uniqueId val="{00000009-85FF-4A9E-A301-DA0EAA17C6A6}"/>
             </c:ext>
@@ -1281,7 +1306,7 @@
               </c:numCache>
             </c:numRef>
           </c:val>
-          <c:extLst xmlns:mc="http://schemas.openxmlformats.org/markup-compatibility/2006" xmlns:c14="http://schemas.microsoft.com/office/drawing/2007/8/2/chart" xmlns:c16="http://schemas.microsoft.com/office/drawing/2014/chart" xmlns:c16r3="http://schemas.microsoft.com/office/drawing/2017/03/chart">
+          <c:extLst xmlns:c16r3="http://schemas.microsoft.com/office/drawing/2017/03/chart" xmlns:c16="http://schemas.microsoft.com/office/drawing/2014/chart" xmlns:c14="http://schemas.microsoft.com/office/drawing/2007/8/2/chart" xmlns:mc="http://schemas.openxmlformats.org/markup-compatibility/2006">
             <c:ext xmlns:c16="http://schemas.microsoft.com/office/drawing/2014/chart" uri="{C3380CC4-5D6E-409C-BE32-E72D297353CC}">
               <c16:uniqueId val="{0000000E-85FF-4A9E-A301-DA0EAA17C6A6}"/>
             </c:ext>
@@ -1366,7 +1391,7 @@
               </c:numCache>
             </c:numRef>
           </c:val>
-          <c:extLst xmlns:mc="http://schemas.openxmlformats.org/markup-compatibility/2006" xmlns:c14="http://schemas.microsoft.com/office/drawing/2007/8/2/chart" xmlns:c16="http://schemas.microsoft.com/office/drawing/2014/chart" xmlns:c16r3="http://schemas.microsoft.com/office/drawing/2017/03/chart">
+          <c:extLst xmlns:c16r3="http://schemas.microsoft.com/office/drawing/2017/03/chart" xmlns:c16="http://schemas.microsoft.com/office/drawing/2014/chart" xmlns:c14="http://schemas.microsoft.com/office/drawing/2007/8/2/chart" xmlns:mc="http://schemas.openxmlformats.org/markup-compatibility/2006">
             <c:ext xmlns:c16="http://schemas.microsoft.com/office/drawing/2014/chart" uri="{C3380CC4-5D6E-409C-BE32-E72D297353CC}">
               <c16:uniqueId val="{00000013-85FF-4A9E-A301-DA0EAA17C6A6}"/>
             </c:ext>
@@ -1418,13 +1443,13 @@
               <a:cs typeface="Aharoni" panose="020B0604020202020204" pitchFamily="2" charset="-79"/>
             </a:defRPr>
           </a:pPr>
-          <a:endParaRPr lang="LID4096"/>
+          <a:endParaRPr lang="ru-RU"/>
         </a:p>
       </c:txPr>
     </c:legend>
     <c:plotVisOnly val="1"/>
     <c:dispBlanksAs val="gap"/>
-    <c:extLst xmlns:mc="http://schemas.openxmlformats.org/markup-compatibility/2006" xmlns:c14="http://schemas.microsoft.com/office/drawing/2007/8/2/chart" xmlns:c16="http://schemas.microsoft.com/office/drawing/2014/chart" xmlns:c16r3="http://schemas.microsoft.com/office/drawing/2017/03/chart">
+    <c:extLst xmlns:c16r3="http://schemas.microsoft.com/office/drawing/2017/03/chart" xmlns:c16="http://schemas.microsoft.com/office/drawing/2014/chart" xmlns:c14="http://schemas.microsoft.com/office/drawing/2007/8/2/chart" xmlns:mc="http://schemas.openxmlformats.org/markup-compatibility/2006">
       <c:ext xmlns:c16r3="http://schemas.microsoft.com/office/drawing/2017/03/chart" uri="{56B9EC1D-385E-4148-901F-78D8002777C0}">
         <c16r3:dataDisplayOptions16>
           <c16r3:dispNaAsBlank val="1"/>
@@ -1450,7 +1475,7 @@
           <a:cs typeface="Aharoni" panose="020B0604020202020204" pitchFamily="2" charset="-79"/>
         </a:defRPr>
       </a:pPr>
-      <a:endParaRPr lang="LID4096"/>
+      <a:endParaRPr lang="ru-RU"/>
     </a:p>
   </c:txPr>
   <c:externalData r:id="rId3">
@@ -1570,7 +1595,7 @@
             </c:numRef>
           </c:yVal>
           <c:smooth val="1"/>
-          <c:extLst xmlns:c16="http://schemas.microsoft.com/office/drawing/2014/chart" xmlns:c14="http://schemas.microsoft.com/office/drawing/2007/8/2/chart" xmlns:mc="http://schemas.openxmlformats.org/markup-compatibility/2006">
+          <c:extLst xmlns:mc="http://schemas.openxmlformats.org/markup-compatibility/2006" xmlns:c14="http://schemas.microsoft.com/office/drawing/2007/8/2/chart" xmlns:c16="http://schemas.microsoft.com/office/drawing/2014/chart">
             <c:ext xmlns:c16="http://schemas.microsoft.com/office/drawing/2014/chart" uri="{C3380CC4-5D6E-409C-BE32-E72D297353CC}">
               <c16:uniqueId val="{00000000-9B82-4F0A-BBF2-F487496F06C9}"/>
             </c:ext>
@@ -1657,7 +1682,7 @@
             </c:numRef>
           </c:yVal>
           <c:smooth val="1"/>
-          <c:extLst xmlns:c16="http://schemas.microsoft.com/office/drawing/2014/chart" xmlns:c14="http://schemas.microsoft.com/office/drawing/2007/8/2/chart" xmlns:mc="http://schemas.openxmlformats.org/markup-compatibility/2006">
+          <c:extLst xmlns:mc="http://schemas.openxmlformats.org/markup-compatibility/2006" xmlns:c14="http://schemas.microsoft.com/office/drawing/2007/8/2/chart" xmlns:c16="http://schemas.microsoft.com/office/drawing/2014/chart">
             <c:ext xmlns:c16="http://schemas.microsoft.com/office/drawing/2014/chart" uri="{C3380CC4-5D6E-409C-BE32-E72D297353CC}">
               <c16:uniqueId val="{00000001-9B82-4F0A-BBF2-F487496F06C9}"/>
             </c:ext>
@@ -1744,7 +1769,7 @@
             </c:numRef>
           </c:yVal>
           <c:smooth val="1"/>
-          <c:extLst xmlns:c16="http://schemas.microsoft.com/office/drawing/2014/chart" xmlns:c14="http://schemas.microsoft.com/office/drawing/2007/8/2/chart" xmlns:mc="http://schemas.openxmlformats.org/markup-compatibility/2006">
+          <c:extLst xmlns:mc="http://schemas.openxmlformats.org/markup-compatibility/2006" xmlns:c14="http://schemas.microsoft.com/office/drawing/2007/8/2/chart" xmlns:c16="http://schemas.microsoft.com/office/drawing/2014/chart">
             <c:ext xmlns:c16="http://schemas.microsoft.com/office/drawing/2014/chart" uri="{C3380CC4-5D6E-409C-BE32-E72D297353CC}">
               <c16:uniqueId val="{00000002-9B82-4F0A-BBF2-F487496F06C9}"/>
             </c:ext>
@@ -1828,7 +1853,7 @@
                 <a:cs typeface="+mn-cs"/>
               </a:defRPr>
             </a:pPr>
-            <a:endParaRPr lang="LID4096"/>
+            <a:endParaRPr lang="ru-RU"/>
           </a:p>
         </c:txPr>
         <c:crossAx val="1576974280"/>
@@ -1867,7 +1892,7 @@
               <a:cs typeface="+mn-cs"/>
             </a:defRPr>
           </a:pPr>
-          <a:endParaRPr lang="LID4096"/>
+          <a:endParaRPr lang="ru-RU"/>
         </a:p>
       </c:txPr>
     </c:legend>
@@ -1890,7 +1915,7 @@
       <a:pPr>
         <a:defRPr sz="1600"/>
       </a:pPr>
-      <a:endParaRPr lang="LID4096"/>
+      <a:endParaRPr lang="ru-RU"/>
     </a:p>
   </c:txPr>
   <c:externalData r:id="rId3">
@@ -2009,7 +2034,7 @@
                       <a:cs typeface="Times New Roman" panose="02020603050405020304" pitchFamily="18" charset="0"/>
                     </a:defRPr>
                   </a:pPr>
-                  <a:endParaRPr lang="LID4096"/>
+                  <a:endParaRPr lang="ru-RU"/>
                 </a:p>
               </c:txPr>
               <c:showLegendKey val="0"/>
@@ -2018,7 +2043,7 @@
               <c:showSerName val="0"/>
               <c:showPercent val="0"/>
               <c:showBubbleSize val="0"/>
-              <c:extLst xmlns:mc="http://schemas.openxmlformats.org/markup-compatibility/2006" xmlns:c14="http://schemas.microsoft.com/office/drawing/2007/8/2/chart" xmlns:c15="http://schemas.microsoft.com/office/drawing/2012/chart" xmlns:c16="http://schemas.microsoft.com/office/drawing/2014/chart">
+              <c:extLst xmlns:c16="http://schemas.microsoft.com/office/drawing/2014/chart" xmlns:c15="http://schemas.microsoft.com/office/drawing/2012/chart" xmlns:c14="http://schemas.microsoft.com/office/drawing/2007/8/2/chart" xmlns:mc="http://schemas.openxmlformats.org/markup-compatibility/2006">
                 <c:ext xmlns:c15="http://schemas.microsoft.com/office/drawing/2012/chart" uri="{CE6537A1-D6FC-4f65-9D91-7224C49458BB}">
                   <c15:dlblFieldTable/>
                   <c15:showDataLabelsRange val="0"/>
@@ -2099,7 +2124,7 @@
                       <a:cs typeface="Times New Roman" panose="02020603050405020304" pitchFamily="18" charset="0"/>
                     </a:defRPr>
                   </a:pPr>
-                  <a:endParaRPr lang="LID4096"/>
+                  <a:endParaRPr lang="ru-RU"/>
                 </a:p>
               </c:txPr>
               <c:showLegendKey val="0"/>
@@ -2108,7 +2133,7 @@
               <c:showSerName val="0"/>
               <c:showPercent val="0"/>
               <c:showBubbleSize val="0"/>
-              <c:extLst xmlns:mc="http://schemas.openxmlformats.org/markup-compatibility/2006" xmlns:c14="http://schemas.microsoft.com/office/drawing/2007/8/2/chart" xmlns:c15="http://schemas.microsoft.com/office/drawing/2012/chart" xmlns:c16="http://schemas.microsoft.com/office/drawing/2014/chart">
+              <c:extLst xmlns:c16="http://schemas.microsoft.com/office/drawing/2014/chart" xmlns:c15="http://schemas.microsoft.com/office/drawing/2012/chart" xmlns:c14="http://schemas.microsoft.com/office/drawing/2007/8/2/chart" xmlns:mc="http://schemas.openxmlformats.org/markup-compatibility/2006">
                 <c:ext xmlns:c15="http://schemas.microsoft.com/office/drawing/2012/chart" uri="{CE6537A1-D6FC-4f65-9D91-7224C49458BB}">
                   <c15:layout>
                     <c:manualLayout>
@@ -2203,7 +2228,7 @@
                       <a:cs typeface="Times New Roman" panose="02020603050405020304" pitchFamily="18" charset="0"/>
                     </a:defRPr>
                   </a:pPr>
-                  <a:endParaRPr lang="LID4096"/>
+                  <a:endParaRPr lang="ru-RU"/>
                 </a:p>
               </c:txPr>
               <c:showLegendKey val="0"/>
@@ -2212,7 +2237,7 @@
               <c:showSerName val="0"/>
               <c:showPercent val="0"/>
               <c:showBubbleSize val="0"/>
-              <c:extLst xmlns:mc="http://schemas.openxmlformats.org/markup-compatibility/2006" xmlns:c14="http://schemas.microsoft.com/office/drawing/2007/8/2/chart" xmlns:c15="http://schemas.microsoft.com/office/drawing/2012/chart" xmlns:c16="http://schemas.microsoft.com/office/drawing/2014/chart">
+              <c:extLst xmlns:c16="http://schemas.microsoft.com/office/drawing/2014/chart" xmlns:c15="http://schemas.microsoft.com/office/drawing/2012/chart" xmlns:c14="http://schemas.microsoft.com/office/drawing/2007/8/2/chart" xmlns:mc="http://schemas.openxmlformats.org/markup-compatibility/2006">
                 <c:ext xmlns:c15="http://schemas.microsoft.com/office/drawing/2012/chart" uri="{CE6537A1-D6FC-4f65-9D91-7224C49458BB}">
                   <c15:layout>
                     <c:manualLayout>
@@ -2252,7 +2277,7 @@
                     <a:cs typeface="Times New Roman" panose="02020603050405020304" pitchFamily="18" charset="0"/>
                   </a:defRPr>
                 </a:pPr>
-                <a:endParaRPr lang="LID4096"/>
+                <a:endParaRPr lang="ru-RU"/>
               </a:p>
             </c:txPr>
             <c:showLegendKey val="0"/>
@@ -2262,7 +2287,7 @@
             <c:showPercent val="0"/>
             <c:showBubbleSize val="0"/>
             <c:showLeaderLines val="0"/>
-            <c:extLst xmlns:mc="http://schemas.openxmlformats.org/markup-compatibility/2006" xmlns:c14="http://schemas.microsoft.com/office/drawing/2007/8/2/chart" xmlns:c15="http://schemas.microsoft.com/office/drawing/2012/chart" xmlns:c16="http://schemas.microsoft.com/office/drawing/2014/chart">
+            <c:extLst xmlns:c16="http://schemas.microsoft.com/office/drawing/2014/chart" xmlns:c15="http://schemas.microsoft.com/office/drawing/2012/chart" xmlns:c14="http://schemas.microsoft.com/office/drawing/2007/8/2/chart" xmlns:mc="http://schemas.openxmlformats.org/markup-compatibility/2006">
               <c:ext xmlns:c15="http://schemas.microsoft.com/office/drawing/2012/chart" uri="{CE6537A1-D6FC-4f65-9D91-7224C49458BB}">
                 <c15:showLeaderLines val="1"/>
                 <c15:leaderLines>
@@ -2317,7 +2342,7 @@
               </c:numCache>
             </c:numRef>
           </c:val>
-          <c:extLst xmlns:mc="http://schemas.openxmlformats.org/markup-compatibility/2006" xmlns:c14="http://schemas.microsoft.com/office/drawing/2007/8/2/chart" xmlns:c15="http://schemas.microsoft.com/office/drawing/2012/chart" xmlns:c16="http://schemas.microsoft.com/office/drawing/2014/chart">
+          <c:extLst xmlns:c16="http://schemas.microsoft.com/office/drawing/2014/chart" xmlns:c15="http://schemas.microsoft.com/office/drawing/2012/chart" xmlns:c14="http://schemas.microsoft.com/office/drawing/2007/8/2/chart" xmlns:mc="http://schemas.openxmlformats.org/markup-compatibility/2006">
             <c:ext xmlns:c16="http://schemas.microsoft.com/office/drawing/2014/chart" uri="{C3380CC4-5D6E-409C-BE32-E72D297353CC}">
               <c16:uniqueId val="{00000003-355C-46C5-8EE8-42EFA5183349}"/>
             </c:ext>
@@ -2376,7 +2401,7 @@
                 <a:cs typeface="Times New Roman" panose="02020603050405020304" pitchFamily="18" charset="0"/>
               </a:defRPr>
             </a:pPr>
-            <a:endParaRPr lang="LID4096"/>
+            <a:endParaRPr lang="ru-RU"/>
           </a:p>
         </c:txPr>
         <c:crossAx val="372798984"/>
@@ -2421,7 +2446,7 @@
                 <a:cs typeface="Times New Roman" panose="02020603050405020304" pitchFamily="18" charset="0"/>
               </a:defRPr>
             </a:pPr>
-            <a:endParaRPr lang="LID4096"/>
+            <a:endParaRPr lang="ru-RU"/>
           </a:p>
         </c:txPr>
         <c:crossAx val="372795048"/>
@@ -2458,7 +2483,7 @@
           <a:cs typeface="Times New Roman" panose="02020603050405020304" pitchFamily="18" charset="0"/>
         </a:defRPr>
       </a:pPr>
-      <a:endParaRPr lang="LID4096"/>
+      <a:endParaRPr lang="ru-RU"/>
     </a:p>
   </c:txPr>
   <c:externalData r:id="rId3">
@@ -2507,7 +2532,7 @@
               <a:cs typeface="+mn-cs"/>
             </a:defRPr>
           </a:pPr>
-          <a:endParaRPr lang="LID4096"/>
+          <a:endParaRPr lang="ru-RU"/>
         </a:p>
       </c:txPr>
     </c:title>
@@ -2785,7 +2810,7 @@
                 <a:cs typeface="+mn-cs"/>
               </a:defRPr>
             </a:pPr>
-            <a:endParaRPr lang="LID4096"/>
+            <a:endParaRPr lang="ru-RU"/>
           </a:p>
         </c:txPr>
         <c:crossAx val="653069919"/>
@@ -2844,7 +2869,7 @@
                 <a:cs typeface="+mn-cs"/>
               </a:defRPr>
             </a:pPr>
-            <a:endParaRPr lang="LID4096"/>
+            <a:endParaRPr lang="ru-RU"/>
           </a:p>
         </c:txPr>
         <c:crossAx val="898842399"/>
@@ -2886,7 +2911,7 @@
               <a:cs typeface="+mn-cs"/>
             </a:defRPr>
           </a:pPr>
-          <a:endParaRPr lang="LID4096"/>
+          <a:endParaRPr lang="ru-RU"/>
         </a:p>
       </c:txPr>
     </c:legend>
@@ -2915,7 +2940,7 @@
       <a:pPr>
         <a:defRPr/>
       </a:pPr>
-      <a:endParaRPr lang="LID4096"/>
+      <a:endParaRPr lang="ru-RU"/>
     </a:p>
   </c:txPr>
   <c:externalData r:id="rId3">
@@ -6209,7 +6234,7 @@
               <a:rPr lang="en-US" smtClean="0">
                 <a:latin typeface="Arial" panose="020B0604020202020204" pitchFamily="34" charset="0"/>
               </a:rPr>
-              <a:t>5/24/2020</a:t>
+              <a:t>2/23/2021</a:t>
             </a:fld>
             <a:endParaRPr lang="en-US" dirty="0">
               <a:latin typeface="Arial" panose="020B0604020202020204" pitchFamily="34" charset="0"/>
@@ -6388,7 +6413,7 @@
             <a:fld id="{0BA5BBE4-AEA3-489A-A28E-0C2FAF2506E3}" type="datetimeFigureOut">
               <a:rPr lang="en-US" smtClean="0"/>
               <a:pPr/>
-              <a:t>5/24/2020</a:t>
+              <a:t>2/23/2021</a:t>
             </a:fld>
             <a:endParaRPr lang="en-US" dirty="0"/>
           </a:p>
@@ -7107,7 +7132,7 @@
           </p:cNvGraphicFramePr>
           <p:nvPr>
             <p:custDataLst>
-              <p:tags r:id="rId4"/>
+              <p:tags r:id="rId3"/>
             </p:custDataLst>
             <p:extLst>
               <p:ext uri="{D42A27DB-BD31-4B8C-83A1-F6EECF244321}">
@@ -7124,12 +7149,12 @@
           <a:graphicData uri="http://schemas.openxmlformats.org/presentationml/2006/ole">
             <mc:AlternateContent xmlns:mc="http://schemas.openxmlformats.org/markup-compatibility/2006">
               <mc:Choice xmlns:v="urn:schemas-microsoft-com:vml" Requires="v">
-                <p:oleObj spid="_x0000_s2364" name="think-cell Slide" r:id="rId5" imgW="270" imgH="270" progId="TCLayout.ActiveDocument.1">
+                <p:oleObj name="think-cell Slide" r:id="rId4" imgW="270" imgH="270" progId="TCLayout.ActiveDocument.1">
                   <p:embed/>
                 </p:oleObj>
               </mc:Choice>
               <mc:Fallback>
-                <p:oleObj name="think-cell Slide" r:id="rId5" imgW="270" imgH="270" progId="TCLayout.ActiveDocument.1">
+                <p:oleObj name="think-cell Slide" r:id="rId4" imgW="270" imgH="270" progId="TCLayout.ActiveDocument.1">
                   <p:embed/>
                   <p:pic>
                     <p:nvPicPr>
@@ -7138,7 +7163,7 @@
                       <p:nvPr/>
                     </p:nvPicPr>
                     <p:blipFill>
-                      <a:blip r:embed="rId6"/>
+                      <a:blip r:embed="rId5"/>
                       <a:stretch>
                         <a:fillRect/>
                       </a:stretch>
@@ -7794,7 +7819,7 @@
           <p:nvPr>
             <p:extLst>
               <p:ext uri="{D42A27DB-BD31-4B8C-83A1-F6EECF244321}">
-                <p14:modId xmlns:p14="http://schemas.microsoft.com/office/powerpoint/2010/main" val="2949922892"/>
+                <p14:modId xmlns:p14="http://schemas.microsoft.com/office/powerpoint/2010/main" val="1364992654"/>
               </p:ext>
             </p:extLst>
           </p:nvPr>
@@ -7825,7 +7850,7 @@
         <p:fade/>
       </p:transition>
     </mc:Choice>
-    <mc:Fallback xmlns:v="urn:schemas-microsoft-com:vml" xmlns:c="http://schemas.openxmlformats.org/drawingml/2006/chart" xmlns="">
+    <mc:Fallback xmlns="" xmlns:c="http://schemas.openxmlformats.org/drawingml/2006/chart" xmlns:v="urn:schemas-microsoft-com:vml">
       <p:transition spd="med">
         <p:fade/>
       </p:transition>
